--- a/NorthWindsPresentation.pptx
+++ b/NorthWindsPresentation.pptx
@@ -17,7 +17,7 @@
     <p:sldId id="260" r:id="rId8"/>
     <p:sldId id="270" r:id="rId9"/>
     <p:sldId id="263" r:id="rId10"/>
-    <p:sldId id="262" r:id="rId11"/>
+    <p:sldId id="271" r:id="rId11"/>
     <p:sldId id="261" r:id="rId12"/>
   </p:sldIdLst>
   <p:sldSz cx="12192000" cy="6858000"/>
@@ -134,7 +134,7 @@
             <p14:sldId id="260"/>
             <p14:sldId id="270"/>
             <p14:sldId id="263"/>
-            <p14:sldId id="262"/>
+            <p14:sldId id="271"/>
             <p14:sldId id="261"/>
           </p14:sldIdLst>
         </p14:section>
@@ -1383,93 +1383,6 @@
 </file>
 
 <file path=ppt/notesSlides/notesSlide7.xml><?xml version="1.0" encoding="utf-8"?>
-<p:notes xmlns:a="http://schemas.openxmlformats.org/drawingml/2006/main" xmlns:r="http://schemas.openxmlformats.org/officeDocument/2006/relationships" xmlns:p="http://schemas.openxmlformats.org/presentationml/2006/main">
-  <p:cSld>
-    <p:spTree>
-      <p:nvGrpSpPr>
-        <p:cNvPr id="1" name=""/>
-        <p:cNvGrpSpPr/>
-        <p:nvPr/>
-      </p:nvGrpSpPr>
-      <p:grpSpPr>
-        <a:xfrm>
-          <a:off x="0" y="0"/>
-          <a:ext cx="0" cy="0"/>
-          <a:chOff x="0" y="0"/>
-          <a:chExt cx="0" cy="0"/>
-        </a:xfrm>
-      </p:grpSpPr>
-      <p:sp>
-        <p:nvSpPr>
-          <p:cNvPr id="2" name="Slide Image Placeholder 1"/>
-          <p:cNvSpPr>
-            <a:spLocks noGrp="1" noRot="1" noChangeAspect="1"/>
-          </p:cNvSpPr>
-          <p:nvPr>
-            <p:ph type="sldImg"/>
-          </p:nvPr>
-        </p:nvSpPr>
-        <p:spPr/>
-      </p:sp>
-      <p:sp>
-        <p:nvSpPr>
-          <p:cNvPr id="3" name="Notes Placeholder 2"/>
-          <p:cNvSpPr>
-            <a:spLocks noGrp="1"/>
-          </p:cNvSpPr>
-          <p:nvPr>
-            <p:ph type="body" idx="1"/>
-          </p:nvPr>
-        </p:nvSpPr>
-        <p:spPr/>
-        <p:txBody>
-          <a:bodyPr/>
-          <a:lstStyle/>
-          <a:p>
-            <a:r>
-              <a:rPr lang="en-US" dirty="0"/>
-              <a:t>540 orders in the LAST 12 MONTHS </a:t>
-            </a:r>
-          </a:p>
-        </p:txBody>
-      </p:sp>
-      <p:sp>
-        <p:nvSpPr>
-          <p:cNvPr id="4" name="Slide Number Placeholder 3"/>
-          <p:cNvSpPr>
-            <a:spLocks noGrp="1"/>
-          </p:cNvSpPr>
-          <p:nvPr>
-            <p:ph type="sldNum" sz="quarter" idx="5"/>
-          </p:nvPr>
-        </p:nvSpPr>
-        <p:spPr/>
-        <p:txBody>
-          <a:bodyPr/>
-          <a:lstStyle/>
-          <a:p>
-            <a:fld id="{AAA080A6-A16A-8245-BAE2-69C7004A0DC9}" type="slidenum">
-              <a:rPr lang="en-US" smtClean="0"/>
-              <a:t>10</a:t>
-            </a:fld>
-            <a:endParaRPr lang="en-US"/>
-          </a:p>
-        </p:txBody>
-      </p:sp>
-    </p:spTree>
-    <p:extLst>
-      <p:ext uri="{BB962C8B-B14F-4D97-AF65-F5344CB8AC3E}">
-        <p14:creationId xmlns:p14="http://schemas.microsoft.com/office/powerpoint/2010/main" val="891588847"/>
-      </p:ext>
-    </p:extLst>
-  </p:cSld>
-  <p:clrMapOvr>
-    <a:masterClrMapping/>
-  </p:clrMapOvr>
-</p:notes>
-</file>
-
-<file path=ppt/notesSlides/notesSlide8.xml><?xml version="1.0" encoding="utf-8"?>
 <p:notes xmlns:a="http://schemas.openxmlformats.org/drawingml/2006/main" xmlns:r="http://schemas.openxmlformats.org/officeDocument/2006/relationships" xmlns:p="http://schemas.openxmlformats.org/presentationml/2006/main">
   <p:cSld>
     <p:spTree>
@@ -4828,14 +4741,20 @@
         </p:spPr>
         <p:txBody>
           <a:bodyPr>
-            <a:normAutofit lnSpcReduction="10000"/>
+            <a:normAutofit fontScale="92500" lnSpcReduction="10000"/>
           </a:bodyPr>
           <a:lstStyle/>
           <a:p>
             <a:r>
               <a:rPr lang="en-US" sz="4000" dirty="0"/>
-              <a:t>Areas of Concern</a:t>
-            </a:r>
+              <a:t>Areas of Discussion</a:t>
+            </a:r>
+          </a:p>
+          <a:p>
+            <a:pPr marL="0" indent="0">
+              <a:buNone/>
+            </a:pPr>
+            <a:endParaRPr lang="en-US" sz="4000" dirty="0"/>
           </a:p>
           <a:p>
             <a:pPr lvl="1"/>
@@ -4920,7 +4839,7 @@
           <p:cNvPr id="2" name="Title 1">
             <a:extLst>
               <a:ext uri="{FF2B5EF4-FFF2-40B4-BE49-F238E27FC236}">
-                <a16:creationId xmlns:a16="http://schemas.microsoft.com/office/drawing/2014/main" id="{DAEC5716-9CD4-4C4E-82CE-7BA956E91D2C}"/>
+                <a16:creationId xmlns:a16="http://schemas.microsoft.com/office/drawing/2014/main" id="{4912CBEA-A6FF-1B4A-B5CD-C28EA95C7649}"/>
               </a:ext>
             </a:extLst>
           </p:cNvPr>
@@ -4936,10 +4855,7 @@
           <a:bodyPr/>
           <a:lstStyle/>
           <a:p>
-            <a:r>
-              <a:rPr lang="en-US" dirty="0"/>
-              <a:t>Customer Overview</a:t>
-            </a:r>
+            <a:endParaRPr lang="en-US"/>
           </a:p>
         </p:txBody>
       </p:sp>
@@ -4948,7 +4864,7 @@
           <p:cNvPr id="3" name="Content Placeholder 2">
             <a:extLst>
               <a:ext uri="{FF2B5EF4-FFF2-40B4-BE49-F238E27FC236}">
-                <a16:creationId xmlns:a16="http://schemas.microsoft.com/office/drawing/2014/main" id="{4882FEDA-F0B2-0C4C-94EA-1595E7DFE722}"/>
+                <a16:creationId xmlns:a16="http://schemas.microsoft.com/office/drawing/2014/main" id="{C9DFD0B2-70B7-F040-97D2-6584177FD6B9}"/>
               </a:ext>
             </a:extLst>
           </p:cNvPr>
@@ -4964,90 +4880,14 @@
           <a:bodyPr/>
           <a:lstStyle/>
           <a:p>
-            <a:pPr marL="0" indent="0">
-              <a:buNone/>
-            </a:pPr>
-            <a:endParaRPr lang="en-US" dirty="0"/>
-          </a:p>
-          <a:p>
-            <a:r>
-              <a:rPr lang="en-US" dirty="0"/>
-              <a:t>88 Customers &amp; 540 Orders</a:t>
-            </a:r>
-          </a:p>
-          <a:p>
-            <a:r>
-              <a:rPr lang="en-US" dirty="0"/>
-              <a:t>Concentration:</a:t>
-            </a:r>
-          </a:p>
-          <a:p>
-            <a:pPr lvl="1"/>
-            <a:r>
-              <a:rPr lang="en-US" dirty="0"/>
-              <a:t>Customers in:</a:t>
-            </a:r>
-          </a:p>
-          <a:p>
-            <a:pPr lvl="2"/>
-            <a:r>
-              <a:rPr lang="en-US" dirty="0"/>
-              <a:t>W. Europe (27), </a:t>
-            </a:r>
-            <a:r>
-              <a:rPr lang="en-US" dirty="0" err="1"/>
-              <a:t>N.America</a:t>
-            </a:r>
-            <a:r>
-              <a:rPr lang="en-US" dirty="0"/>
-              <a:t> (16), S. America(16)</a:t>
-            </a:r>
-          </a:p>
-          <a:p>
-            <a:pPr lvl="2"/>
-            <a:r>
-              <a:rPr lang="en-US" dirty="0"/>
-              <a:t>USA (13), Germany (11, France(10)</a:t>
-            </a:r>
-          </a:p>
-          <a:p>
-            <a:pPr lvl="2"/>
-            <a:endParaRPr lang="en-US" dirty="0"/>
-          </a:p>
-          <a:p>
-            <a:pPr lvl="1"/>
-            <a:r>
-              <a:rPr lang="en-US" dirty="0"/>
-              <a:t>Orders in:</a:t>
-            </a:r>
-          </a:p>
-          <a:p>
-            <a:pPr lvl="2"/>
-            <a:r>
-              <a:rPr lang="en-US" dirty="0"/>
-              <a:t> W. Europe (179), N. America (103) </a:t>
-            </a:r>
-          </a:p>
-          <a:p>
-            <a:pPr lvl="2"/>
-            <a:r>
-              <a:rPr lang="en-US" dirty="0"/>
-              <a:t>USA (262), Germany (210), Brazil (134)</a:t>
-            </a:r>
-          </a:p>
-          <a:p>
-            <a:pPr lvl="2"/>
-            <a:endParaRPr lang="en-US" dirty="0"/>
-          </a:p>
-          <a:p>
-            <a:endParaRPr lang="en-US" dirty="0"/>
+            <a:endParaRPr lang="en-US"/>
           </a:p>
         </p:txBody>
       </p:sp>
     </p:spTree>
     <p:extLst>
       <p:ext uri="{BB962C8B-B14F-4D97-AF65-F5344CB8AC3E}">
-        <p14:creationId xmlns:p14="http://schemas.microsoft.com/office/powerpoint/2010/main" val="994388907"/>
+        <p14:creationId xmlns:p14="http://schemas.microsoft.com/office/powerpoint/2010/main" val="54886564"/>
       </p:ext>
     </p:extLst>
   </p:cSld>
@@ -5311,66 +5151,6 @@
           <a:xfrm>
             <a:off x="3726744" y="976598"/>
             <a:ext cx="4286992" cy="2746190"/>
-          </a:xfrm>
-          <a:prstGeom prst="rect">
-            <a:avLst/>
-          </a:prstGeom>
-        </p:spPr>
-      </p:pic>
-      <p:pic>
-        <p:nvPicPr>
-          <p:cNvPr id="1557" name="Picture 1556">
-            <a:extLst>
-              <a:ext uri="{FF2B5EF4-FFF2-40B4-BE49-F238E27FC236}">
-                <a16:creationId xmlns:a16="http://schemas.microsoft.com/office/drawing/2014/main" id="{B3844FD1-2F5A-B945-94E5-711C66C2A565}"/>
-              </a:ext>
-            </a:extLst>
-          </p:cNvPr>
-          <p:cNvPicPr>
-            <a:picLocks noChangeAspect="1"/>
-          </p:cNvPicPr>
-          <p:nvPr/>
-        </p:nvPicPr>
-        <p:blipFill>
-          <a:blip r:embed="rId4"/>
-          <a:stretch>
-            <a:fillRect/>
-          </a:stretch>
-        </p:blipFill>
-        <p:spPr>
-          <a:xfrm>
-            <a:off x="0" y="3811717"/>
-            <a:ext cx="6056415" cy="2957354"/>
-          </a:xfrm>
-          <a:prstGeom prst="rect">
-            <a:avLst/>
-          </a:prstGeom>
-        </p:spPr>
-      </p:pic>
-      <p:pic>
-        <p:nvPicPr>
-          <p:cNvPr id="1559" name="Picture 1558">
-            <a:extLst>
-              <a:ext uri="{FF2B5EF4-FFF2-40B4-BE49-F238E27FC236}">
-                <a16:creationId xmlns:a16="http://schemas.microsoft.com/office/drawing/2014/main" id="{B99C2511-ABAC-F444-986E-539363980110}"/>
-              </a:ext>
-            </a:extLst>
-          </p:cNvPr>
-          <p:cNvPicPr>
-            <a:picLocks noChangeAspect="1"/>
-          </p:cNvPicPr>
-          <p:nvPr/>
-        </p:nvPicPr>
-        <p:blipFill>
-          <a:blip r:embed="rId5"/>
-          <a:stretch>
-            <a:fillRect/>
-          </a:stretch>
-        </p:blipFill>
-        <p:spPr>
-          <a:xfrm>
-            <a:off x="5870240" y="3734658"/>
-            <a:ext cx="6155246" cy="3046283"/>
           </a:xfrm>
           <a:prstGeom prst="rect">
             <a:avLst/>
@@ -6406,11 +6186,164 @@
         </p:blipFill>
         <p:spPr>
           <a:xfrm>
-            <a:off x="2202871" y="900546"/>
+            <a:off x="142059" y="900546"/>
             <a:ext cx="7236555" cy="5753061"/>
           </a:xfrm>
         </p:spPr>
       </p:pic>
+      <p:sp>
+        <p:nvSpPr>
+          <p:cNvPr id="4" name="TextBox 3">
+            <a:extLst>
+              <a:ext uri="{FF2B5EF4-FFF2-40B4-BE49-F238E27FC236}">
+                <a16:creationId xmlns:a16="http://schemas.microsoft.com/office/drawing/2014/main" id="{5A15725F-D46B-F04D-9ECC-AF46B95772F1}"/>
+              </a:ext>
+            </a:extLst>
+          </p:cNvPr>
+          <p:cNvSpPr txBox="1"/>
+          <p:nvPr/>
+        </p:nvSpPr>
+        <p:spPr>
+          <a:xfrm>
+            <a:off x="7378614" y="900546"/>
+            <a:ext cx="4658711" cy="4801314"/>
+          </a:xfrm>
+          <a:prstGeom prst="rect">
+            <a:avLst/>
+          </a:prstGeom>
+          <a:noFill/>
+        </p:spPr>
+        <p:txBody>
+          <a:bodyPr wrap="square" rtlCol="0">
+            <a:spAutoFit/>
+          </a:bodyPr>
+          <a:lstStyle/>
+          <a:p>
+            <a:pPr marL="285750" indent="-285750">
+              <a:buFont typeface="Arial" panose="020B0604020202020204" pitchFamily="34" charset="0"/>
+              <a:buChar char="•"/>
+            </a:pPr>
+            <a:r>
+              <a:rPr lang="en-US" dirty="0"/>
+              <a:t>88 Customers &amp; 540 Orders</a:t>
+            </a:r>
+          </a:p>
+          <a:p>
+            <a:pPr marL="285750" indent="-285750">
+              <a:buFont typeface="Arial" panose="020B0604020202020204" pitchFamily="34" charset="0"/>
+              <a:buChar char="•"/>
+            </a:pPr>
+            <a:endParaRPr lang="en-US" dirty="0"/>
+          </a:p>
+          <a:p>
+            <a:pPr marL="285750" indent="-285750">
+              <a:buFont typeface="Arial" panose="020B0604020202020204" pitchFamily="34" charset="0"/>
+              <a:buChar char="•"/>
+            </a:pPr>
+            <a:r>
+              <a:rPr lang="en-US" dirty="0"/>
+              <a:t>Concentration:</a:t>
+            </a:r>
+          </a:p>
+          <a:p>
+            <a:pPr lvl="1"/>
+            <a:endParaRPr lang="en-US" dirty="0"/>
+          </a:p>
+          <a:p>
+            <a:pPr marL="742950" lvl="1" indent="-285750">
+              <a:buFont typeface="Arial" panose="020B0604020202020204" pitchFamily="34" charset="0"/>
+              <a:buChar char="•"/>
+            </a:pPr>
+            <a:r>
+              <a:rPr lang="en-US" dirty="0"/>
+              <a:t>Customers in:</a:t>
+            </a:r>
+          </a:p>
+          <a:p>
+            <a:pPr marL="1200150" lvl="2" indent="-285750">
+              <a:buFont typeface="Arial" panose="020B0604020202020204" pitchFamily="34" charset="0"/>
+              <a:buChar char="•"/>
+            </a:pPr>
+            <a:r>
+              <a:rPr lang="en-US" dirty="0"/>
+              <a:t>W. Europe (27), </a:t>
+            </a:r>
+            <a:r>
+              <a:rPr lang="en-US" dirty="0" err="1"/>
+              <a:t>N.America</a:t>
+            </a:r>
+            <a:r>
+              <a:rPr lang="en-US" dirty="0"/>
+              <a:t> (16), S. America(16)</a:t>
+            </a:r>
+          </a:p>
+          <a:p>
+            <a:pPr marL="1200150" lvl="2" indent="-285750">
+              <a:buFont typeface="Arial" panose="020B0604020202020204" pitchFamily="34" charset="0"/>
+              <a:buChar char="•"/>
+            </a:pPr>
+            <a:endParaRPr lang="en-US" dirty="0"/>
+          </a:p>
+          <a:p>
+            <a:pPr marL="1200150" lvl="2" indent="-285750">
+              <a:buFont typeface="Arial" panose="020B0604020202020204" pitchFamily="34" charset="0"/>
+              <a:buChar char="•"/>
+            </a:pPr>
+            <a:r>
+              <a:rPr lang="en-US" dirty="0"/>
+              <a:t>USA (13), Germany (11, France(10)</a:t>
+            </a:r>
+          </a:p>
+          <a:p>
+            <a:pPr lvl="2"/>
+            <a:endParaRPr lang="en-US" dirty="0"/>
+          </a:p>
+          <a:p>
+            <a:pPr marL="742950" lvl="1" indent="-285750">
+              <a:buFont typeface="Arial" panose="020B0604020202020204" pitchFamily="34" charset="0"/>
+              <a:buChar char="•"/>
+            </a:pPr>
+            <a:r>
+              <a:rPr lang="en-US" dirty="0"/>
+              <a:t>Orders in:</a:t>
+            </a:r>
+          </a:p>
+          <a:p>
+            <a:pPr marL="1200150" lvl="2" indent="-285750">
+              <a:buFont typeface="Arial" panose="020B0604020202020204" pitchFamily="34" charset="0"/>
+              <a:buChar char="•"/>
+            </a:pPr>
+            <a:r>
+              <a:rPr lang="en-US" dirty="0"/>
+              <a:t> W. Europe (179), N. America (103)</a:t>
+            </a:r>
+          </a:p>
+          <a:p>
+            <a:pPr marL="1200150" lvl="2" indent="-285750">
+              <a:buFont typeface="Arial" panose="020B0604020202020204" pitchFamily="34" charset="0"/>
+              <a:buChar char="•"/>
+            </a:pPr>
+            <a:endParaRPr lang="en-US" dirty="0"/>
+          </a:p>
+          <a:p>
+            <a:pPr marL="1200150" lvl="2" indent="-285750">
+              <a:buFont typeface="Arial" panose="020B0604020202020204" pitchFamily="34" charset="0"/>
+              <a:buChar char="•"/>
+            </a:pPr>
+            <a:r>
+              <a:rPr lang="en-US" dirty="0"/>
+              <a:t>USA (262), Germany (210), Brazil (134)</a:t>
+            </a:r>
+          </a:p>
+          <a:p>
+            <a:pPr lvl="2"/>
+            <a:endParaRPr lang="en-US" dirty="0"/>
+          </a:p>
+          <a:p>
+            <a:endParaRPr lang="en-US" dirty="0"/>
+          </a:p>
+        </p:txBody>
+      </p:sp>
     </p:spTree>
     <p:extLst>
       <p:ext uri="{BB962C8B-B14F-4D97-AF65-F5344CB8AC3E}">

--- a/NorthWindsPresentation.pptx
+++ b/NorthWindsPresentation.pptx
@@ -8,8 +8,8 @@
     <p:notesMasterId r:id="rId13"/>
   </p:notesMasterIdLst>
   <p:sldIdLst>
-    <p:sldId id="268" r:id="rId2"/>
-    <p:sldId id="256" r:id="rId3"/>
+    <p:sldId id="256" r:id="rId2"/>
+    <p:sldId id="268" r:id="rId3"/>
     <p:sldId id="269" r:id="rId4"/>
     <p:sldId id="259" r:id="rId5"/>
     <p:sldId id="267" r:id="rId6"/>
@@ -125,8 +125,8 @@
         </p14:section>
         <p14:section name="Untitled Section" id="{66692799-C12B-004A-965B-558536E4C889}">
           <p14:sldIdLst>
+            <p14:sldId id="256"/>
             <p14:sldId id="268"/>
-            <p14:sldId id="256"/>
             <p14:sldId id="269"/>
             <p14:sldId id="259"/>
             <p14:sldId id="267"/>
@@ -241,7 +241,7 @@
           <a:p>
             <a:fld id="{7468CD2A-E81E-F744-A36A-9108A0899289}" type="datetimeFigureOut">
               <a:rPr lang="en-US" smtClean="0"/>
-              <a:t>3/24/19</a:t>
+              <a:t>3/25/19</a:t>
             </a:fld>
             <a:endParaRPr lang="en-US"/>
           </a:p>
@@ -636,7 +636,7 @@
           <a:p>
             <a:fld id="{AAA080A6-A16A-8245-BAE2-69C7004A0DC9}" type="slidenum">
               <a:rPr lang="en-US" smtClean="0"/>
-              <a:t>2</a:t>
+              <a:t>1</a:t>
             </a:fld>
             <a:endParaRPr lang="en-US"/>
           </a:p>
@@ -1428,7 +1428,7 @@
           <a:p>
             <a:r>
               <a:rPr lang="en-US" dirty="0"/>
-              <a:t>results in a clear, actionable way for non-technical audiences</a:t>
+              <a:t>Countries listed are statistically different than 2 or more other countries.  Germany and USA aren’t different in terms of REVENUE per Order, but are in terms of AVG REVENUE PER ORDER.</a:t>
             </a:r>
           </a:p>
         </p:txBody>
@@ -1616,7 +1616,7 @@
           <a:p>
             <a:fld id="{192F0BA8-BFFF-2C45-ABBA-CE18AC870D74}" type="datetimeFigureOut">
               <a:rPr lang="en-US" smtClean="0"/>
-              <a:t>3/24/19</a:t>
+              <a:t>3/25/19</a:t>
             </a:fld>
             <a:endParaRPr lang="en-US"/>
           </a:p>
@@ -1814,7 +1814,7 @@
           <a:p>
             <a:fld id="{192F0BA8-BFFF-2C45-ABBA-CE18AC870D74}" type="datetimeFigureOut">
               <a:rPr lang="en-US" smtClean="0"/>
-              <a:t>3/24/19</a:t>
+              <a:t>3/25/19</a:t>
             </a:fld>
             <a:endParaRPr lang="en-US"/>
           </a:p>
@@ -2022,7 +2022,7 @@
           <a:p>
             <a:fld id="{192F0BA8-BFFF-2C45-ABBA-CE18AC870D74}" type="datetimeFigureOut">
               <a:rPr lang="en-US" smtClean="0"/>
-              <a:t>3/24/19</a:t>
+              <a:t>3/25/19</a:t>
             </a:fld>
             <a:endParaRPr lang="en-US"/>
           </a:p>
@@ -2220,7 +2220,7 @@
           <a:p>
             <a:fld id="{192F0BA8-BFFF-2C45-ABBA-CE18AC870D74}" type="datetimeFigureOut">
               <a:rPr lang="en-US" smtClean="0"/>
-              <a:t>3/24/19</a:t>
+              <a:t>3/25/19</a:t>
             </a:fld>
             <a:endParaRPr lang="en-US"/>
           </a:p>
@@ -2495,7 +2495,7 @@
           <a:p>
             <a:fld id="{192F0BA8-BFFF-2C45-ABBA-CE18AC870D74}" type="datetimeFigureOut">
               <a:rPr lang="en-US" smtClean="0"/>
-              <a:t>3/24/19</a:t>
+              <a:t>3/25/19</a:t>
             </a:fld>
             <a:endParaRPr lang="en-US"/>
           </a:p>
@@ -2760,7 +2760,7 @@
           <a:p>
             <a:fld id="{192F0BA8-BFFF-2C45-ABBA-CE18AC870D74}" type="datetimeFigureOut">
               <a:rPr lang="en-US" smtClean="0"/>
-              <a:t>3/24/19</a:t>
+              <a:t>3/25/19</a:t>
             </a:fld>
             <a:endParaRPr lang="en-US"/>
           </a:p>
@@ -3172,7 +3172,7 @@
           <a:p>
             <a:fld id="{192F0BA8-BFFF-2C45-ABBA-CE18AC870D74}" type="datetimeFigureOut">
               <a:rPr lang="en-US" smtClean="0"/>
-              <a:t>3/24/19</a:t>
+              <a:t>3/25/19</a:t>
             </a:fld>
             <a:endParaRPr lang="en-US"/>
           </a:p>
@@ -3313,7 +3313,7 @@
           <a:p>
             <a:fld id="{192F0BA8-BFFF-2C45-ABBA-CE18AC870D74}" type="datetimeFigureOut">
               <a:rPr lang="en-US" smtClean="0"/>
-              <a:t>3/24/19</a:t>
+              <a:t>3/25/19</a:t>
             </a:fld>
             <a:endParaRPr lang="en-US"/>
           </a:p>
@@ -3426,7 +3426,7 @@
           <a:p>
             <a:fld id="{192F0BA8-BFFF-2C45-ABBA-CE18AC870D74}" type="datetimeFigureOut">
               <a:rPr lang="en-US" smtClean="0"/>
-              <a:t>3/24/19</a:t>
+              <a:t>3/25/19</a:t>
             </a:fld>
             <a:endParaRPr lang="en-US"/>
           </a:p>
@@ -3737,7 +3737,7 @@
           <a:p>
             <a:fld id="{192F0BA8-BFFF-2C45-ABBA-CE18AC870D74}" type="datetimeFigureOut">
               <a:rPr lang="en-US" smtClean="0"/>
-              <a:t>3/24/19</a:t>
+              <a:t>3/25/19</a:t>
             </a:fld>
             <a:endParaRPr lang="en-US"/>
           </a:p>
@@ -4025,7 +4025,7 @@
           <a:p>
             <a:fld id="{192F0BA8-BFFF-2C45-ABBA-CE18AC870D74}" type="datetimeFigureOut">
               <a:rPr lang="en-US" smtClean="0"/>
-              <a:t>3/24/19</a:t>
+              <a:t>3/25/19</a:t>
             </a:fld>
             <a:endParaRPr lang="en-US"/>
           </a:p>
@@ -4266,7 +4266,7 @@
           <a:p>
             <a:fld id="{192F0BA8-BFFF-2C45-ABBA-CE18AC870D74}" type="datetimeFigureOut">
               <a:rPr lang="en-US" smtClean="0"/>
-              <a:t>3/24/19</a:t>
+              <a:t>3/25/19</a:t>
             </a:fld>
             <a:endParaRPr lang="en-US"/>
           </a:p>
@@ -4688,21 +4688,26 @@
           <p:cNvPr id="2" name="Title 1">
             <a:extLst>
               <a:ext uri="{FF2B5EF4-FFF2-40B4-BE49-F238E27FC236}">
-                <a16:creationId xmlns:a16="http://schemas.microsoft.com/office/drawing/2014/main" id="{F15EA9C7-0709-1942-A5E5-EA50F4F0F83C}"/>
-              </a:ext>
-            </a:extLst>
-          </p:cNvPr>
-          <p:cNvSpPr>
-            <a:spLocks noGrp="1"/>
-          </p:cNvSpPr>
-          <p:nvPr>
-            <p:ph type="title"/>
-          </p:nvPr>
-        </p:nvSpPr>
-        <p:spPr/>
+                <a16:creationId xmlns:a16="http://schemas.microsoft.com/office/drawing/2014/main" id="{686FA636-738A-204E-BCE1-A22014F60061}"/>
+              </a:ext>
+            </a:extLst>
+          </p:cNvPr>
+          <p:cNvSpPr>
+            <a:spLocks noGrp="1"/>
+          </p:cNvSpPr>
+          <p:nvPr>
+            <p:ph type="ctrTitle"/>
+          </p:nvPr>
+        </p:nvSpPr>
+        <p:spPr>
+          <a:xfrm>
+            <a:off x="796955" y="273792"/>
+            <a:ext cx="10485262" cy="892710"/>
+          </a:xfrm>
+        </p:spPr>
         <p:txBody>
           <a:bodyPr>
-            <a:normAutofit/>
+            <a:noAutofit/>
           </a:bodyPr>
           <a:lstStyle/>
           <a:p>
@@ -4714,92 +4719,134 @@
               <a:rPr lang="en-US" sz="4000" b="1" u="sng" dirty="0"/>
               <a:t> Trading Company Business Review</a:t>
             </a:r>
-          </a:p>
-        </p:txBody>
-      </p:sp>
-      <p:sp>
-        <p:nvSpPr>
-          <p:cNvPr id="3" name="Content Placeholder 2">
-            <a:extLst>
-              <a:ext uri="{FF2B5EF4-FFF2-40B4-BE49-F238E27FC236}">
-                <a16:creationId xmlns:a16="http://schemas.microsoft.com/office/drawing/2014/main" id="{754BC944-7F66-FB48-9E64-540E218D62F6}"/>
-              </a:ext>
-            </a:extLst>
-          </p:cNvPr>
-          <p:cNvSpPr>
-            <a:spLocks noGrp="1"/>
-          </p:cNvSpPr>
-          <p:nvPr>
-            <p:ph idx="1"/>
-          </p:nvPr>
-        </p:nvSpPr>
+            <a:endParaRPr lang="en-US" sz="4000" dirty="0"/>
+          </a:p>
+        </p:txBody>
+      </p:sp>
+      <p:sp>
+        <p:nvSpPr>
+          <p:cNvPr id="3" name="Subtitle 2">
+            <a:extLst>
+              <a:ext uri="{FF2B5EF4-FFF2-40B4-BE49-F238E27FC236}">
+                <a16:creationId xmlns:a16="http://schemas.microsoft.com/office/drawing/2014/main" id="{950E892A-2E48-714C-A0F9-436FF22A6A41}"/>
+              </a:ext>
+            </a:extLst>
+          </p:cNvPr>
+          <p:cNvSpPr>
+            <a:spLocks noGrp="1"/>
+          </p:cNvSpPr>
+          <p:nvPr>
+            <p:ph type="subTitle" idx="1"/>
+          </p:nvPr>
+        </p:nvSpPr>
+        <p:spPr/>
+        <p:txBody>
+          <a:bodyPr>
+            <a:normAutofit fontScale="85000" lnSpcReduction="20000"/>
+          </a:bodyPr>
+          <a:lstStyle/>
+          <a:p>
+            <a:endParaRPr lang="en-US" dirty="0"/>
+          </a:p>
+          <a:p>
+            <a:br>
+              <a:rPr lang="en-US" dirty="0"/>
+            </a:br>
+            <a:br>
+              <a:rPr lang="en-US" dirty="0"/>
+            </a:br>
+            <a:br>
+              <a:rPr lang="en-US" dirty="0"/>
+            </a:br>
+            <a:br>
+              <a:rPr lang="en-US" dirty="0"/>
+            </a:br>
+            <a:endParaRPr lang="en-US" dirty="0"/>
+          </a:p>
+        </p:txBody>
+      </p:sp>
+      <p:pic>
+        <p:nvPicPr>
+          <p:cNvPr id="1555" name="Picture 1554">
+            <a:extLst>
+              <a:ext uri="{FF2B5EF4-FFF2-40B4-BE49-F238E27FC236}">
+                <a16:creationId xmlns:a16="http://schemas.microsoft.com/office/drawing/2014/main" id="{45529EF0-D9FF-E54D-A5F6-BE63B77ECDEF}"/>
+              </a:ext>
+            </a:extLst>
+          </p:cNvPr>
+          <p:cNvPicPr>
+            <a:picLocks noChangeAspect="1"/>
+          </p:cNvPicPr>
+          <p:nvPr/>
+        </p:nvPicPr>
+        <p:blipFill>
+          <a:blip r:embed="rId3"/>
+          <a:stretch>
+            <a:fillRect/>
+          </a:stretch>
+        </p:blipFill>
         <p:spPr>
           <a:xfrm>
-            <a:off x="838200" y="1825625"/>
-            <a:ext cx="10515600" cy="4667250"/>
+            <a:off x="2293729" y="1600200"/>
+            <a:ext cx="6700145" cy="4292023"/>
           </a:xfrm>
+          <a:prstGeom prst="rect">
+            <a:avLst/>
+          </a:prstGeom>
         </p:spPr>
-        <p:txBody>
-          <a:bodyPr>
-            <a:normAutofit fontScale="92500" lnSpcReduction="10000"/>
+      </p:pic>
+      <p:sp>
+        <p:nvSpPr>
+          <p:cNvPr id="4" name="TextBox 3">
+            <a:extLst>
+              <a:ext uri="{FF2B5EF4-FFF2-40B4-BE49-F238E27FC236}">
+                <a16:creationId xmlns:a16="http://schemas.microsoft.com/office/drawing/2014/main" id="{61D185D4-CFB8-5B4D-8AC3-C772AAF92054}"/>
+              </a:ext>
+            </a:extLst>
+          </p:cNvPr>
+          <p:cNvSpPr txBox="1"/>
+          <p:nvPr/>
+        </p:nvSpPr>
+        <p:spPr>
+          <a:xfrm>
+            <a:off x="4192137" y="5996085"/>
+            <a:ext cx="3807726" cy="923330"/>
+          </a:xfrm>
+          <a:prstGeom prst="rect">
+            <a:avLst/>
+          </a:prstGeom>
+          <a:noFill/>
+        </p:spPr>
+        <p:txBody>
+          <a:bodyPr wrap="square" rtlCol="0">
+            <a:spAutoFit/>
           </a:bodyPr>
           <a:lstStyle/>
           <a:p>
-            <a:r>
-              <a:rPr lang="en-US" sz="4000" dirty="0"/>
-              <a:t>Areas of Discussion</a:t>
-            </a:r>
-          </a:p>
-          <a:p>
-            <a:pPr marL="0" indent="0">
-              <a:buNone/>
+            <a:pPr marL="285750" indent="-285750">
+              <a:buFont typeface="Arial" panose="020B0604020202020204" pitchFamily="34" charset="0"/>
+              <a:buChar char="•"/>
             </a:pPr>
-            <a:endParaRPr lang="en-US" sz="4000" dirty="0"/>
-          </a:p>
-          <a:p>
-            <a:pPr lvl="1"/>
-            <a:r>
-              <a:rPr lang="en-US" sz="3600" dirty="0"/>
-              <a:t>Affect of Discounts on Overall Sales</a:t>
-            </a:r>
-          </a:p>
-          <a:p>
-            <a:pPr lvl="1"/>
-            <a:endParaRPr lang="en-US" sz="3600" dirty="0"/>
-          </a:p>
-          <a:p>
-            <a:pPr lvl="1"/>
-            <a:r>
-              <a:rPr lang="en-US" sz="3600" dirty="0"/>
-              <a:t>Discount Affect on each Product Category</a:t>
-            </a:r>
-          </a:p>
-          <a:p>
-            <a:pPr marL="457200" lvl="1" indent="0">
-              <a:buNone/>
+            <a:r>
+              <a:rPr lang="en-US" dirty="0"/>
+              <a:t>Current: Significant Growth</a:t>
+            </a:r>
+          </a:p>
+          <a:p>
+            <a:pPr marL="285750" indent="-285750">
+              <a:buFont typeface="Arial" panose="020B0604020202020204" pitchFamily="34" charset="0"/>
+              <a:buChar char="•"/>
             </a:pPr>
-            <a:endParaRPr lang="en-US" sz="4000" dirty="0"/>
-          </a:p>
-          <a:p>
-            <a:pPr lvl="1"/>
-            <a:r>
-              <a:rPr lang="en-US" sz="4000" dirty="0"/>
-              <a:t>Sales Team Performance</a:t>
-            </a:r>
-          </a:p>
-          <a:p>
-            <a:pPr lvl="1"/>
-            <a:endParaRPr lang="en-US" sz="4000" dirty="0"/>
-          </a:p>
-          <a:p>
-            <a:pPr lvl="1"/>
-            <a:r>
-              <a:rPr lang="en-US" sz="4000" dirty="0"/>
-              <a:t>Growth Opportunities</a:t>
-            </a:r>
-          </a:p>
-          <a:p>
-            <a:pPr lvl="1"/>
+            <a:r>
+              <a:rPr lang="en-US" dirty="0"/>
+              <a:t>Future:  Manage Future Growth</a:t>
+            </a:r>
+          </a:p>
+          <a:p>
+            <a:pPr marL="285750" indent="-285750">
+              <a:buFont typeface="Arial" panose="020B0604020202020204" pitchFamily="34" charset="0"/>
+              <a:buChar char="•"/>
+            </a:pPr>
             <a:endParaRPr lang="en-US" dirty="0"/>
           </a:p>
         </p:txBody>
@@ -4807,7 +4854,7 @@
     </p:spTree>
     <p:extLst>
       <p:ext uri="{BB962C8B-B14F-4D97-AF65-F5344CB8AC3E}">
-        <p14:creationId xmlns:p14="http://schemas.microsoft.com/office/powerpoint/2010/main" val="2807972061"/>
+        <p14:creationId xmlns:p14="http://schemas.microsoft.com/office/powerpoint/2010/main" val="106201681"/>
       </p:ext>
     </p:extLst>
   </p:cSld>
@@ -4836,10 +4883,94 @@
       </p:grpSpPr>
       <p:sp>
         <p:nvSpPr>
-          <p:cNvPr id="2" name="Title 1">
-            <a:extLst>
-              <a:ext uri="{FF2B5EF4-FFF2-40B4-BE49-F238E27FC236}">
-                <a16:creationId xmlns:a16="http://schemas.microsoft.com/office/drawing/2014/main" id="{4912CBEA-A6FF-1B4A-B5CD-C28EA95C7649}"/>
+          <p:cNvPr id="3" name="Content Placeholder 2">
+            <a:extLst>
+              <a:ext uri="{FF2B5EF4-FFF2-40B4-BE49-F238E27FC236}">
+                <a16:creationId xmlns:a16="http://schemas.microsoft.com/office/drawing/2014/main" id="{C9DFD0B2-70B7-F040-97D2-6584177FD6B9}"/>
+              </a:ext>
+            </a:extLst>
+          </p:cNvPr>
+          <p:cNvSpPr>
+            <a:spLocks noGrp="1"/>
+          </p:cNvSpPr>
+          <p:nvPr>
+            <p:ph idx="1"/>
+          </p:nvPr>
+        </p:nvSpPr>
+        <p:spPr>
+          <a:xfrm>
+            <a:off x="838200" y="144090"/>
+            <a:ext cx="10515600" cy="4351338"/>
+          </a:xfrm>
+        </p:spPr>
+        <p:txBody>
+          <a:bodyPr/>
+          <a:lstStyle/>
+          <a:p>
+            <a:r>
+              <a:rPr lang="en-US" dirty="0"/>
+              <a:t>Geographic Review analyzed</a:t>
+            </a:r>
+          </a:p>
+          <a:p>
+            <a:pPr lvl="1"/>
+            <a:r>
+              <a:rPr lang="en-US" dirty="0"/>
+              <a:t>Average Orders per Country</a:t>
+            </a:r>
+          </a:p>
+          <a:p>
+            <a:pPr lvl="1"/>
+            <a:r>
+              <a:rPr lang="en-US" dirty="0"/>
+              <a:t>Average Revenue per Customer by Country</a:t>
+            </a:r>
+          </a:p>
+          <a:p>
+            <a:pPr lvl="1"/>
+            <a:r>
+              <a:rPr lang="en-US" dirty="0"/>
+              <a:t>****Average Revenue per Order by Country*****</a:t>
+            </a:r>
+          </a:p>
+        </p:txBody>
+      </p:sp>
+      <p:pic>
+        <p:nvPicPr>
+          <p:cNvPr id="7" name="Picture 6">
+            <a:extLst>
+              <a:ext uri="{FF2B5EF4-FFF2-40B4-BE49-F238E27FC236}">
+                <a16:creationId xmlns:a16="http://schemas.microsoft.com/office/drawing/2014/main" id="{90D9BEC8-804C-474C-BA25-22B69B72AB4A}"/>
+              </a:ext>
+            </a:extLst>
+          </p:cNvPr>
+          <p:cNvPicPr>
+            <a:picLocks noChangeAspect="1"/>
+          </p:cNvPicPr>
+          <p:nvPr/>
+        </p:nvPicPr>
+        <p:blipFill>
+          <a:blip r:embed="rId2"/>
+          <a:stretch>
+            <a:fillRect/>
+          </a:stretch>
+        </p:blipFill>
+        <p:spPr>
+          <a:xfrm>
+            <a:off x="943708" y="1828800"/>
+            <a:ext cx="10078886" cy="5029200"/>
+          </a:xfrm>
+          <a:prstGeom prst="rect">
+            <a:avLst/>
+          </a:prstGeom>
+        </p:spPr>
+      </p:pic>
+      <p:sp>
+        <p:nvSpPr>
+          <p:cNvPr id="9" name="Title 8">
+            <a:extLst>
+              <a:ext uri="{FF2B5EF4-FFF2-40B4-BE49-F238E27FC236}">
+                <a16:creationId xmlns:a16="http://schemas.microsoft.com/office/drawing/2014/main" id="{BE65D685-4C1F-DD4B-8EB6-A24CD45DB053}"/>
               </a:ext>
             </a:extLst>
           </p:cNvPr>
@@ -4850,32 +4981,12 @@
             <p:ph type="title"/>
           </p:nvPr>
         </p:nvSpPr>
-        <p:spPr/>
-        <p:txBody>
-          <a:bodyPr/>
-          <a:lstStyle/>
-          <a:p>
-            <a:endParaRPr lang="en-US"/>
-          </a:p>
-        </p:txBody>
-      </p:sp>
-      <p:sp>
-        <p:nvSpPr>
-          <p:cNvPr id="3" name="Content Placeholder 2">
-            <a:extLst>
-              <a:ext uri="{FF2B5EF4-FFF2-40B4-BE49-F238E27FC236}">
-                <a16:creationId xmlns:a16="http://schemas.microsoft.com/office/drawing/2014/main" id="{C9DFD0B2-70B7-F040-97D2-6584177FD6B9}"/>
-              </a:ext>
-            </a:extLst>
-          </p:cNvPr>
-          <p:cNvSpPr>
-            <a:spLocks noGrp="1"/>
-          </p:cNvSpPr>
-          <p:nvPr>
-            <p:ph idx="1"/>
-          </p:nvPr>
-        </p:nvSpPr>
-        <p:spPr/>
+        <p:spPr>
+          <a:xfrm>
+            <a:off x="838200" y="-1181522"/>
+            <a:ext cx="10515600" cy="1325563"/>
+          </a:xfrm>
+        </p:spPr>
         <p:txBody>
           <a:bodyPr/>
           <a:lstStyle/>
@@ -4984,14 +5095,14 @@
             </a:r>
             <a:r>
               <a:rPr lang="en-US" dirty="0"/>
-              <a:t> different than 2 or more other countries to the right (greater) of the mean.  </a:t>
+              <a:t> higher than other countries.</a:t>
             </a:r>
           </a:p>
           <a:p>
             <a:pPr lvl="1"/>
             <a:r>
               <a:rPr lang="en-US" dirty="0"/>
-              <a:t>France and Italy are statistically different than 2 or more other countries to the left (less) of the mean.  </a:t>
+              <a:t>France and Italy are statistically lower than other countries.</a:t>
             </a:r>
           </a:p>
           <a:p>
@@ -5008,7 +5119,7 @@
             <a:pPr lvl="1"/>
             <a:r>
               <a:rPr lang="en-US" dirty="0"/>
-              <a:t>There's an opportunity to increase "REVENUE PER ORDER" with NEW customers in France and Italy.</a:t>
+              <a:t>There's an opportunity to increase "REVENUE PER ORDER" with NEW customers in Austria &amp; Ireland (&amp; possibly Germany and USA).</a:t>
             </a:r>
           </a:p>
           <a:p>
@@ -5055,112 +5166,129 @@
           <p:cNvPr id="2" name="Title 1">
             <a:extLst>
               <a:ext uri="{FF2B5EF4-FFF2-40B4-BE49-F238E27FC236}">
-                <a16:creationId xmlns:a16="http://schemas.microsoft.com/office/drawing/2014/main" id="{686FA636-738A-204E-BCE1-A22014F60061}"/>
-              </a:ext>
-            </a:extLst>
-          </p:cNvPr>
-          <p:cNvSpPr>
-            <a:spLocks noGrp="1"/>
-          </p:cNvSpPr>
-          <p:nvPr>
-            <p:ph type="ctrTitle"/>
+                <a16:creationId xmlns:a16="http://schemas.microsoft.com/office/drawing/2014/main" id="{F15EA9C7-0709-1942-A5E5-EA50F4F0F83C}"/>
+              </a:ext>
+            </a:extLst>
+          </p:cNvPr>
+          <p:cNvSpPr>
+            <a:spLocks noGrp="1"/>
+          </p:cNvSpPr>
+          <p:nvPr>
+            <p:ph type="title"/>
+          </p:nvPr>
+        </p:nvSpPr>
+        <p:spPr/>
+        <p:txBody>
+          <a:bodyPr>
+            <a:normAutofit/>
+          </a:bodyPr>
+          <a:lstStyle/>
+          <a:p>
+            <a:r>
+              <a:rPr lang="en-US" sz="4000" b="1" u="sng" dirty="0" err="1"/>
+              <a:t>Northwinds</a:t>
+            </a:r>
+            <a:r>
+              <a:rPr lang="en-US" sz="4000" b="1" u="sng" dirty="0"/>
+              <a:t> Trading Company Business Review</a:t>
+            </a:r>
+          </a:p>
+        </p:txBody>
+      </p:sp>
+      <p:sp>
+        <p:nvSpPr>
+          <p:cNvPr id="3" name="Content Placeholder 2">
+            <a:extLst>
+              <a:ext uri="{FF2B5EF4-FFF2-40B4-BE49-F238E27FC236}">
+                <a16:creationId xmlns:a16="http://schemas.microsoft.com/office/drawing/2014/main" id="{754BC944-7F66-FB48-9E64-540E218D62F6}"/>
+              </a:ext>
+            </a:extLst>
+          </p:cNvPr>
+          <p:cNvSpPr>
+            <a:spLocks noGrp="1"/>
+          </p:cNvSpPr>
+          <p:nvPr>
+            <p:ph idx="1"/>
           </p:nvPr>
         </p:nvSpPr>
         <p:spPr>
           <a:xfrm>
-            <a:off x="1559626" y="164610"/>
-            <a:ext cx="9144000" cy="892710"/>
+            <a:off x="838200" y="1690688"/>
+            <a:ext cx="10515600" cy="4667250"/>
           </a:xfrm>
         </p:spPr>
         <p:txBody>
           <a:bodyPr>
-            <a:normAutofit fontScale="90000"/>
+            <a:normAutofit fontScale="92500" lnSpcReduction="10000"/>
           </a:bodyPr>
           <a:lstStyle/>
           <a:p>
             <a:r>
-              <a:rPr lang="en-US" dirty="0"/>
-              <a:t>Annual Sales Summary</a:t>
-            </a:r>
-          </a:p>
-        </p:txBody>
-      </p:sp>
-      <p:sp>
-        <p:nvSpPr>
-          <p:cNvPr id="3" name="Subtitle 2">
-            <a:extLst>
-              <a:ext uri="{FF2B5EF4-FFF2-40B4-BE49-F238E27FC236}">
-                <a16:creationId xmlns:a16="http://schemas.microsoft.com/office/drawing/2014/main" id="{950E892A-2E48-714C-A0F9-436FF22A6A41}"/>
-              </a:ext>
-            </a:extLst>
-          </p:cNvPr>
-          <p:cNvSpPr>
-            <a:spLocks noGrp="1"/>
-          </p:cNvSpPr>
-          <p:nvPr>
-            <p:ph type="subTitle" idx="1"/>
-          </p:nvPr>
-        </p:nvSpPr>
-        <p:spPr/>
-        <p:txBody>
-          <a:bodyPr>
-            <a:normAutofit fontScale="85000" lnSpcReduction="20000"/>
-          </a:bodyPr>
-          <a:lstStyle/>
-          <a:p>
+              <a:rPr lang="en-US" sz="4000" dirty="0"/>
+              <a:t>Areas of Discussion</a:t>
+            </a:r>
+          </a:p>
+          <a:p>
+            <a:pPr marL="0" indent="0">
+              <a:buNone/>
+            </a:pPr>
+            <a:endParaRPr lang="en-US" sz="4000" dirty="0"/>
+          </a:p>
+          <a:p>
+            <a:pPr lvl="1"/>
+            <a:r>
+              <a:rPr lang="en-US" sz="3600" dirty="0"/>
+              <a:t>Affect of Discounts on:</a:t>
+            </a:r>
+          </a:p>
+          <a:p>
+            <a:pPr lvl="2"/>
+            <a:r>
+              <a:rPr lang="en-US" sz="3200" dirty="0"/>
+              <a:t>Each Order Quantity</a:t>
+            </a:r>
+          </a:p>
+          <a:p>
+            <a:pPr lvl="2"/>
+            <a:r>
+              <a:rPr lang="en-US" sz="3200" dirty="0"/>
+              <a:t>each Product Category</a:t>
+            </a:r>
+          </a:p>
+          <a:p>
+            <a:pPr marL="457200" lvl="1" indent="0">
+              <a:buNone/>
+            </a:pPr>
+            <a:endParaRPr lang="en-US" sz="4000" dirty="0"/>
+          </a:p>
+          <a:p>
+            <a:pPr lvl="1"/>
+            <a:r>
+              <a:rPr lang="en-US" sz="4000" dirty="0"/>
+              <a:t>Sales Team Performance</a:t>
+            </a:r>
+          </a:p>
+          <a:p>
+            <a:pPr lvl="1"/>
+            <a:endParaRPr lang="en-US" sz="4000" dirty="0"/>
+          </a:p>
+          <a:p>
+            <a:pPr lvl="1"/>
+            <a:r>
+              <a:rPr lang="en-US" sz="4000" dirty="0"/>
+              <a:t>Growth Opportunities</a:t>
+            </a:r>
+          </a:p>
+          <a:p>
+            <a:pPr lvl="1"/>
             <a:endParaRPr lang="en-US" dirty="0"/>
           </a:p>
-          <a:p>
-            <a:br>
-              <a:rPr lang="en-US" dirty="0"/>
-            </a:br>
-            <a:br>
-              <a:rPr lang="en-US" dirty="0"/>
-            </a:br>
-            <a:br>
-              <a:rPr lang="en-US" dirty="0"/>
-            </a:br>
-            <a:br>
-              <a:rPr lang="en-US" dirty="0"/>
-            </a:br>
-            <a:endParaRPr lang="en-US" dirty="0"/>
-          </a:p>
-        </p:txBody>
-      </p:sp>
-      <p:pic>
-        <p:nvPicPr>
-          <p:cNvPr id="1555" name="Picture 1554">
-            <a:extLst>
-              <a:ext uri="{FF2B5EF4-FFF2-40B4-BE49-F238E27FC236}">
-                <a16:creationId xmlns:a16="http://schemas.microsoft.com/office/drawing/2014/main" id="{45529EF0-D9FF-E54D-A5F6-BE63B77ECDEF}"/>
-              </a:ext>
-            </a:extLst>
-          </p:cNvPr>
-          <p:cNvPicPr>
-            <a:picLocks noChangeAspect="1"/>
-          </p:cNvPicPr>
-          <p:nvPr/>
-        </p:nvPicPr>
-        <p:blipFill>
-          <a:blip r:embed="rId3"/>
-          <a:stretch>
-            <a:fillRect/>
-          </a:stretch>
-        </p:blipFill>
-        <p:spPr>
-          <a:xfrm>
-            <a:off x="3726744" y="976598"/>
-            <a:ext cx="4286992" cy="2746190"/>
-          </a:xfrm>
-          <a:prstGeom prst="rect">
-            <a:avLst/>
-          </a:prstGeom>
-        </p:spPr>
-      </p:pic>
+        </p:txBody>
+      </p:sp>
     </p:spTree>
     <p:extLst>
       <p:ext uri="{BB962C8B-B14F-4D97-AF65-F5344CB8AC3E}">
-        <p14:creationId xmlns:p14="http://schemas.microsoft.com/office/powerpoint/2010/main" val="106201681"/>
+        <p14:creationId xmlns:p14="http://schemas.microsoft.com/office/powerpoint/2010/main" val="2807972061"/>
       </p:ext>
     </p:extLst>
   </p:cSld>
@@ -5239,7 +5367,7 @@
           <a:p>
             <a:r>
               <a:rPr lang="en-US" dirty="0"/>
-              <a:t>2155 orders written in 22 months</a:t>
+              <a:t>2155 order “line items” written in 22 months</a:t>
             </a:r>
           </a:p>
           <a:p>
@@ -5399,13 +5527,13 @@
         </p:nvSpPr>
         <p:spPr>
           <a:xfrm>
-            <a:off x="1524000" y="4487863"/>
-            <a:ext cx="9144000" cy="1655762"/>
+            <a:off x="5535782" y="4217598"/>
+            <a:ext cx="6587617" cy="2387600"/>
           </a:xfrm>
         </p:spPr>
         <p:txBody>
           <a:bodyPr>
-            <a:normAutofit lnSpcReduction="10000"/>
+            <a:normAutofit/>
           </a:bodyPr>
           <a:lstStyle/>
           <a:p>
@@ -5477,8 +5605,8 @@
         </p:blipFill>
         <p:spPr>
           <a:xfrm>
-            <a:off x="431881" y="221078"/>
-            <a:ext cx="5420795" cy="3721530"/>
+            <a:off x="207404" y="1"/>
+            <a:ext cx="4994696" cy="3429000"/>
           </a:xfrm>
         </p:spPr>
       </p:pic>
@@ -5504,8 +5632,38 @@
         </p:blipFill>
         <p:spPr>
           <a:xfrm>
-            <a:off x="6627900" y="221079"/>
-            <a:ext cx="5132218" cy="3721530"/>
+            <a:off x="6741993" y="4756"/>
+            <a:ext cx="4844955" cy="3400428"/>
+          </a:xfrm>
+          <a:prstGeom prst="rect">
+            <a:avLst/>
+          </a:prstGeom>
+        </p:spPr>
+      </p:pic>
+      <p:pic>
+        <p:nvPicPr>
+          <p:cNvPr id="8" name="Content Placeholder 4">
+            <a:extLst>
+              <a:ext uri="{FF2B5EF4-FFF2-40B4-BE49-F238E27FC236}">
+                <a16:creationId xmlns:a16="http://schemas.microsoft.com/office/drawing/2014/main" id="{4821EAC0-FE70-B24A-B131-62A779BA772F}"/>
+              </a:ext>
+            </a:extLst>
+          </p:cNvPr>
+          <p:cNvPicPr>
+            <a:picLocks noChangeAspect="1"/>
+          </p:cNvPicPr>
+          <p:nvPr/>
+        </p:nvPicPr>
+        <p:blipFill>
+          <a:blip r:embed="rId5"/>
+          <a:stretch>
+            <a:fillRect/>
+          </a:stretch>
+        </p:blipFill>
+        <p:spPr>
+          <a:xfrm>
+            <a:off x="207404" y="3457926"/>
+            <a:ext cx="5046984" cy="3400073"/>
           </a:xfrm>
           <a:prstGeom prst="rect">
             <a:avLst/>
@@ -5560,7 +5718,7 @@
         </p:nvSpPr>
         <p:spPr>
           <a:xfrm>
-            <a:off x="522515" y="3835730"/>
+            <a:off x="366156" y="1461019"/>
             <a:ext cx="11459688" cy="2695699"/>
           </a:xfrm>
         </p:spPr>
@@ -5588,20 +5746,29 @@
             <a:br>
               <a:rPr lang="en-US" sz="3200" dirty="0"/>
             </a:br>
-            <a:r>
-              <a:rPr lang="en-US" sz="3200" dirty="0"/>
-              <a:t>2.  The size of the discount is irrelevant</a:t>
-            </a:r>
             <a:br>
               <a:rPr lang="en-US" sz="3200" dirty="0"/>
             </a:br>
             <a:r>
               <a:rPr lang="en-US" sz="3200" dirty="0"/>
-              <a:t>3.  Discount:  Meat/Poultry, Condiments, Beverages</a:t>
+              <a:t>2.  The size of the discount is irrelevant</a:t>
             </a:r>
             <a:br>
               <a:rPr lang="en-US" sz="3200" dirty="0"/>
             </a:br>
+            <a:br>
+              <a:rPr lang="en-US" sz="3200" dirty="0"/>
+            </a:br>
+            <a:r>
+              <a:rPr lang="en-US" sz="3200" dirty="0"/>
+              <a:t>3.  Discount:  Meat/Poultry, Condiments, Beverages</a:t>
+            </a:r>
+            <a:br>
+              <a:rPr lang="en-US" sz="3200" dirty="0"/>
+            </a:br>
+            <a:br>
+              <a:rPr lang="en-US" sz="3200" dirty="0"/>
+            </a:br>
             <a:r>
               <a:rPr lang="en-US" sz="3200" dirty="0"/>
               <a:t>4.  There’s no need to discount Confections and Grains/Cereals</a:t>
@@ -5609,35 +5776,6 @@
           </a:p>
         </p:txBody>
       </p:sp>
-      <p:pic>
-        <p:nvPicPr>
-          <p:cNvPr id="5" name="Content Placeholder 4">
-            <a:extLst>
-              <a:ext uri="{FF2B5EF4-FFF2-40B4-BE49-F238E27FC236}">
-                <a16:creationId xmlns:a16="http://schemas.microsoft.com/office/drawing/2014/main" id="{27BE2F3E-5B32-B74B-9DE6-468BB8CB6C77}"/>
-              </a:ext>
-            </a:extLst>
-          </p:cNvPr>
-          <p:cNvPicPr>
-            <a:picLocks noGrp="1" noChangeAspect="1"/>
-          </p:cNvPicPr>
-          <p:nvPr>
-            <p:ph idx="1"/>
-          </p:nvPr>
-        </p:nvPicPr>
-        <p:blipFill>
-          <a:blip r:embed="rId3"/>
-          <a:stretch>
-            <a:fillRect/>
-          </a:stretch>
-        </p:blipFill>
-        <p:spPr>
-          <a:xfrm>
-            <a:off x="3683000" y="326570"/>
-            <a:ext cx="4826000" cy="3251200"/>
-          </a:xfrm>
-        </p:spPr>
-      </p:pic>
     </p:spTree>
     <p:extLst>
       <p:ext uri="{BB962C8B-B14F-4D97-AF65-F5344CB8AC3E}">
@@ -6157,7 +6295,7 @@
             <a:pPr algn="ctr"/>
             <a:r>
               <a:rPr lang="en-US" dirty="0"/>
-              <a:t>Customer Overview</a:t>
+              <a:t>Geographic Overview</a:t>
             </a:r>
           </a:p>
         </p:txBody>
